--- a/MySQL/MySQL_Workshop.pptx
+++ b/MySQL/MySQL_Workshop.pptx
@@ -43452,23 +43452,7 @@
                   <a:schemeClr val="tx1"/>
                 </a:solidFill>
               </a:rPr>
-              <a:t>A </a:t>
-            </a:r>
-            <a:r>
-              <a:rPr lang="en-US" dirty="0" smtClean="0">
-                <a:solidFill>
-                  <a:schemeClr val="tx1"/>
-                </a:solidFill>
-              </a:rPr>
-              <a:t>F</a:t>
-            </a:r>
-            <a:r>
-              <a:rPr lang="en-US" dirty="0" smtClean="0">
-                <a:solidFill>
-                  <a:schemeClr val="tx1"/>
-                </a:solidFill>
-              </a:rPr>
-              <a:t>oreign key is a common key column used to match records from two tables. The foreign key forms a candidate key in one of the tables</a:t>
+              <a:t>A Foreign key is a common key column used to match records from two tables. The foreign key forms a candidate key in one of the tables</a:t>
             </a:r>
           </a:p>
         </p:txBody>
@@ -43748,15 +43732,7 @@
                   <a:schemeClr val="tx1"/>
                 </a:solidFill>
               </a:rPr>
-              <a:t> </a:t>
-            </a:r>
-            <a:r>
-              <a:rPr lang="en-US" dirty="0" smtClean="0">
-                <a:solidFill>
-                  <a:schemeClr val="tx1"/>
-                </a:solidFill>
-              </a:rPr>
-              <a:t>  SELECT * FROM EMPLOYEE;</a:t>
+              <a:t>   SELECT * FROM EMPLOYEE;</a:t>
             </a:r>
             <a:endParaRPr lang="en-IN" dirty="0">
               <a:solidFill>
@@ -43866,25 +43842,8 @@
             </a:r>
             <a:r>
               <a:rPr lang="en-IN" dirty="0" smtClean="0"/>
-              <a:t>` </a:t>
-            </a:r>
-            <a:r>
-              <a:rPr lang="en-IN" dirty="0" smtClean="0"/>
-              <a:t>AFTER UPDATE ON </a:t>
-            </a:r>
-            <a:r>
-              <a:rPr lang="en-IN" dirty="0" smtClean="0"/>
-              <a:t>`employee` </a:t>
-            </a:r>
-            <a:r>
-              <a:rPr lang="en-IN" dirty="0" smtClean="0"/>
-              <a:t>FOR EACH ROW </a:t>
-            </a:r>
-            <a:r>
-              <a:rPr lang="en-IN" dirty="0" smtClean="0"/>
-              <a:t>BEGIN</a:t>
-            </a:r>
-            <a:endParaRPr lang="en-IN" dirty="0" smtClean="0"/>
+              <a:t>` AFTER UPDATE ON `employee` FOR EACH ROW BEGIN</a:t>
+            </a:r>
           </a:p>
           <a:p>
             <a:pPr>
@@ -43892,11 +43851,7 @@
             </a:pPr>
             <a:r>
               <a:rPr lang="en-US" dirty="0" smtClean="0"/>
-              <a:t> </a:t>
-            </a:r>
-            <a:r>
-              <a:rPr lang="en-US" dirty="0" smtClean="0"/>
-              <a:t>  UPDATE </a:t>
+              <a:t>   UPDATE </a:t>
             </a:r>
             <a:r>
               <a:rPr lang="en-US" dirty="0" err="1" smtClean="0"/>
@@ -43906,7 +43861,6 @@
               <a:rPr lang="en-US" dirty="0" smtClean="0"/>
               <a:t> set emp.tid = new.tid;</a:t>
             </a:r>
-            <a:endParaRPr lang="en-US" dirty="0" smtClean="0"/>
           </a:p>
         </p:txBody>
       </p:sp>
@@ -46135,15 +46089,7 @@
                   <a:schemeClr val="tx1"/>
                 </a:solidFill>
               </a:rPr>
-              <a:t>A </a:t>
-            </a:r>
-            <a:r>
-              <a:rPr lang="en-IN" dirty="0" smtClean="0">
-                <a:solidFill>
-                  <a:schemeClr val="tx1"/>
-                </a:solidFill>
-              </a:rPr>
-              <a:t>schema is a set of interrelated database objects such as tables, table columns, data types of the columns, indexes, foreign keys, and so on</a:t>
+              <a:t>A schema is a set of interrelated database objects such as tables, table columns, data types of the columns, indexes, foreign keys, and so on</a:t>
             </a:r>
           </a:p>
           <a:p>
@@ -46186,24 +46132,16 @@
             </a:pPr>
             <a:r>
               <a:rPr lang="en-US" dirty="0" smtClean="0"/>
-              <a:t>MySQL Workbench &gt;&gt; user root  &gt;&gt; open connection &gt;&gt; </a:t>
-            </a:r>
+              <a:t>MySQL Workbench &gt;&gt; user root  &gt;&gt; open connection &gt;&gt; localhost:3306</a:t>
+            </a:r>
+          </a:p>
+          <a:p>
+            <a:pPr>
+              <a:buNone/>
+            </a:pPr>
             <a:r>
               <a:rPr lang="en-US" dirty="0" smtClean="0"/>
-              <a:t>localhost:3306</a:t>
-            </a:r>
-          </a:p>
-          <a:p>
-            <a:pPr>
-              <a:buNone/>
-            </a:pPr>
-            <a:r>
-              <a:rPr lang="en-US" dirty="0" smtClean="0"/>
-              <a:t> </a:t>
-            </a:r>
-            <a:r>
-              <a:rPr lang="en-US" dirty="0" smtClean="0"/>
-              <a:t>CREATE DATABASE </a:t>
+              <a:t> CREATE DATABASE </a:t>
             </a:r>
             <a:r>
               <a:rPr lang="en-US" dirty="0" err="1" smtClean="0"/>
@@ -46220,11 +46158,7 @@
             </a:pPr>
             <a:r>
               <a:rPr lang="en-US" dirty="0" smtClean="0"/>
-              <a:t> </a:t>
-            </a:r>
-            <a:r>
-              <a:rPr lang="en-US" dirty="0" smtClean="0"/>
-              <a:t>USE </a:t>
+              <a:t> USE </a:t>
             </a:r>
             <a:r>
               <a:rPr lang="en-US" dirty="0" err="1" smtClean="0"/>

--- a/MySQL/MySQL_Workshop.pptx
+++ b/MySQL/MySQL_Workshop.pptx
@@ -45344,7 +45344,11 @@
             <a:pPr marL="742950" indent="-742950" algn="l"/>
             <a:r>
               <a:rPr lang="en-IN" sz="2800" dirty="0" smtClean="0"/>
-              <a:t>        </a:t>
+              <a:t> </a:t>
+            </a:r>
+            <a:r>
+              <a:rPr lang="en-IN" sz="2800" dirty="0" smtClean="0"/>
+              <a:t>       </a:t>
             </a:r>
             <a:r>
               <a:rPr lang="en-IN" sz="2800" b="1" dirty="0" smtClean="0">
@@ -45352,7 +45356,15 @@
                   <a:schemeClr val="bg1"/>
                 </a:solidFill>
               </a:rPr>
-              <a:t>http://bit.ly/18dVrCy</a:t>
+              <a:t>http</a:t>
+            </a:r>
+            <a:r>
+              <a:rPr lang="en-IN" sz="2800" b="1" dirty="0" smtClean="0">
+                <a:solidFill>
+                  <a:schemeClr val="bg1"/>
+                </a:solidFill>
+              </a:rPr>
+              <a:t>://bit.ly/1aLq3NA</a:t>
             </a:r>
             <a:endParaRPr lang="en-US" sz="2800" b="1" u="sng" dirty="0" smtClean="0">
               <a:solidFill>
@@ -45613,8 +45625,27 @@
                 <a:cs typeface="Helvetica" charset="0"/>
                 <a:sym typeface="Helvetica" charset="0"/>
               </a:rPr>
-              <a:t>Stored Procedures and Events</a:t>
-            </a:r>
+              <a:t>Stored </a:t>
+            </a:r>
+            <a:r>
+              <a:rPr lang="en-US" sz="3600" b="1" dirty="0" smtClean="0">
+                <a:solidFill>
+                  <a:schemeClr val="bg1"/>
+                </a:solidFill>
+                <a:latin typeface="Helvetica" charset="0"/>
+                <a:cs typeface="Helvetica" charset="0"/>
+                <a:sym typeface="Helvetica" charset="0"/>
+              </a:rPr>
+              <a:t>Procedures and Events</a:t>
+            </a:r>
+            <a:endParaRPr lang="en-US" sz="3600" b="1" dirty="0" smtClean="0">
+              <a:solidFill>
+                <a:schemeClr val="bg1"/>
+              </a:solidFill>
+              <a:latin typeface="Helvetica" charset="0"/>
+              <a:cs typeface="Helvetica" charset="0"/>
+              <a:sym typeface="Helvetica" charset="0"/>
+            </a:endParaRPr>
           </a:p>
           <a:p>
             <a:pPr marL="742950" indent="-742950" algn="l">
@@ -45645,7 +45676,29 @@
                 <a:cs typeface="Helvetica" charset="0"/>
                 <a:sym typeface="Helvetica" charset="0"/>
               </a:rPr>
-              <a:t>Administration: Backup/Recovery &amp; Optimization</a:t>
+              <a:t>Administration: </a:t>
+            </a:r>
+            <a:r>
+              <a:rPr lang="en-US" sz="3600" b="1" dirty="0" smtClean="0">
+                <a:solidFill>
+                  <a:schemeClr val="bg1"/>
+                </a:solidFill>
+                <a:latin typeface="Helvetica" charset="0"/>
+                <a:cs typeface="Helvetica" charset="0"/>
+                <a:sym typeface="Helvetica" charset="0"/>
+              </a:rPr>
+              <a:t>Backup/Restore </a:t>
+            </a:r>
+            <a:r>
+              <a:rPr lang="en-US" sz="3600" b="1" dirty="0" smtClean="0">
+                <a:solidFill>
+                  <a:schemeClr val="bg1"/>
+                </a:solidFill>
+                <a:latin typeface="Helvetica" charset="0"/>
+                <a:cs typeface="Helvetica" charset="0"/>
+                <a:sym typeface="Helvetica" charset="0"/>
+              </a:rPr>
+              <a:t>&amp; Optimization</a:t>
             </a:r>
           </a:p>
         </p:txBody>

--- a/MySQL/MySQL_Workshop.pptx
+++ b/MySQL/MySQL_Workshop.pptx
@@ -45344,11 +45344,7 @@
             <a:pPr marL="742950" indent="-742950" algn="l"/>
             <a:r>
               <a:rPr lang="en-IN" sz="2800" dirty="0" smtClean="0"/>
-              <a:t> </a:t>
-            </a:r>
-            <a:r>
-              <a:rPr lang="en-IN" sz="2800" dirty="0" smtClean="0"/>
-              <a:t>       </a:t>
+              <a:t>        </a:t>
             </a:r>
             <a:r>
               <a:rPr lang="en-IN" sz="2800" b="1" dirty="0" smtClean="0">
@@ -45356,15 +45352,7 @@
                   <a:schemeClr val="bg1"/>
                 </a:solidFill>
               </a:rPr>
-              <a:t>http</a:t>
-            </a:r>
-            <a:r>
-              <a:rPr lang="en-IN" sz="2800" b="1" dirty="0" smtClean="0">
-                <a:solidFill>
-                  <a:schemeClr val="bg1"/>
-                </a:solidFill>
-              </a:rPr>
-              <a:t>://bit.ly/1aLq3NA</a:t>
+              <a:t>http://bit.ly/1aLq3NA</a:t>
             </a:r>
             <a:endParaRPr lang="en-US" sz="2800" b="1" u="sng" dirty="0" smtClean="0">
               <a:solidFill>
@@ -45625,27 +45613,8 @@
                 <a:cs typeface="Helvetica" charset="0"/>
                 <a:sym typeface="Helvetica" charset="0"/>
               </a:rPr>
-              <a:t>Stored </a:t>
-            </a:r>
-            <a:r>
-              <a:rPr lang="en-US" sz="3600" b="1" dirty="0" smtClean="0">
-                <a:solidFill>
-                  <a:schemeClr val="bg1"/>
-                </a:solidFill>
-                <a:latin typeface="Helvetica" charset="0"/>
-                <a:cs typeface="Helvetica" charset="0"/>
-                <a:sym typeface="Helvetica" charset="0"/>
-              </a:rPr>
-              <a:t>Procedures and Events</a:t>
-            </a:r>
-            <a:endParaRPr lang="en-US" sz="3600" b="1" dirty="0" smtClean="0">
-              <a:solidFill>
-                <a:schemeClr val="bg1"/>
-              </a:solidFill>
-              <a:latin typeface="Helvetica" charset="0"/>
-              <a:cs typeface="Helvetica" charset="0"/>
-              <a:sym typeface="Helvetica" charset="0"/>
-            </a:endParaRPr>
+              <a:t>Stored Procedures and Events</a:t>
+            </a:r>
           </a:p>
           <a:p>
             <a:pPr marL="742950" indent="-742950" algn="l">
@@ -45676,29 +45645,7 @@
                 <a:cs typeface="Helvetica" charset="0"/>
                 <a:sym typeface="Helvetica" charset="0"/>
               </a:rPr>
-              <a:t>Administration: </a:t>
-            </a:r>
-            <a:r>
-              <a:rPr lang="en-US" sz="3600" b="1" dirty="0" smtClean="0">
-                <a:solidFill>
-                  <a:schemeClr val="bg1"/>
-                </a:solidFill>
-                <a:latin typeface="Helvetica" charset="0"/>
-                <a:cs typeface="Helvetica" charset="0"/>
-                <a:sym typeface="Helvetica" charset="0"/>
-              </a:rPr>
-              <a:t>Backup/Restore </a:t>
-            </a:r>
-            <a:r>
-              <a:rPr lang="en-US" sz="3600" b="1" dirty="0" smtClean="0">
-                <a:solidFill>
-                  <a:schemeClr val="bg1"/>
-                </a:solidFill>
-                <a:latin typeface="Helvetica" charset="0"/>
-                <a:cs typeface="Helvetica" charset="0"/>
-                <a:sym typeface="Helvetica" charset="0"/>
-              </a:rPr>
-              <a:t>&amp; Optimization</a:t>
+              <a:t>Administration: Backup/Restore &amp; Optimization</a:t>
             </a:r>
           </a:p>
         </p:txBody>
